--- a/2.1 Data Structures - Advanced.pptx
+++ b/2.1 Data Structures - Advanced.pptx
@@ -146,6 +146,10 @@
 </p:presentation>
 </file>
 
+<file path=ppt/revisionInfo.xml><?xml version="1.0" encoding="utf-8"?>
+<p1510:revInfo xmlns:a="http://schemas.openxmlformats.org/drawingml/2006/main" xmlns:r="http://schemas.openxmlformats.org/officeDocument/2006/relationships" xmlns:p1510="http://schemas.microsoft.com/office/powerpoint/2015/10/main"/>
+</file>
+
 <file path=ppt/notesMasters/notesMaster1.xml><?xml version="1.0" encoding="utf-8"?>
 <p:notesMaster xmlns:a="http://schemas.openxmlformats.org/drawingml/2006/main" xmlns:r="http://schemas.openxmlformats.org/officeDocument/2006/relationships" xmlns:p="http://schemas.openxmlformats.org/presentationml/2006/main">
   <p:cSld>
@@ -228,7 +232,7 @@
           <a:p>
             <a:fld id="{245D6BBE-FF37-4515-B796-D30B23A0C718}" type="datetimeFigureOut">
               <a:rPr lang="ru-RU" smtClean="0"/>
-              <a:t>28.10.2016</a:t>
+              <a:t>16.10.2017</a:t>
             </a:fld>
             <a:endParaRPr lang="ru-RU"/>
           </a:p>
@@ -624,7 +628,7 @@
           <a:p>
             <a:fld id="{7CD9CFFE-9B8E-4E6F-9C50-BF6CD17BA4CD}" type="datetimeFigureOut">
               <a:rPr lang="ru-RU" smtClean="0"/>
-              <a:t>28.10.2016</a:t>
+              <a:t>16.10.2017</a:t>
             </a:fld>
             <a:endParaRPr lang="ru-RU"/>
           </a:p>
@@ -792,7 +796,7 @@
           <a:p>
             <a:fld id="{7CD9CFFE-9B8E-4E6F-9C50-BF6CD17BA4CD}" type="datetimeFigureOut">
               <a:rPr lang="ru-RU" smtClean="0"/>
-              <a:t>28.10.2016</a:t>
+              <a:t>16.10.2017</a:t>
             </a:fld>
             <a:endParaRPr lang="ru-RU"/>
           </a:p>
@@ -970,7 +974,7 @@
           <a:p>
             <a:fld id="{7CD9CFFE-9B8E-4E6F-9C50-BF6CD17BA4CD}" type="datetimeFigureOut">
               <a:rPr lang="ru-RU" smtClean="0"/>
-              <a:t>28.10.2016</a:t>
+              <a:t>16.10.2017</a:t>
             </a:fld>
             <a:endParaRPr lang="ru-RU"/>
           </a:p>
@@ -1138,7 +1142,7 @@
           <a:p>
             <a:fld id="{7CD9CFFE-9B8E-4E6F-9C50-BF6CD17BA4CD}" type="datetimeFigureOut">
               <a:rPr lang="ru-RU" smtClean="0"/>
-              <a:t>28.10.2016</a:t>
+              <a:t>16.10.2017</a:t>
             </a:fld>
             <a:endParaRPr lang="ru-RU"/>
           </a:p>
@@ -1383,7 +1387,7 @@
           <a:p>
             <a:fld id="{7CD9CFFE-9B8E-4E6F-9C50-BF6CD17BA4CD}" type="datetimeFigureOut">
               <a:rPr lang="ru-RU" smtClean="0"/>
-              <a:t>28.10.2016</a:t>
+              <a:t>16.10.2017</a:t>
             </a:fld>
             <a:endParaRPr lang="ru-RU"/>
           </a:p>
@@ -1612,7 +1616,7 @@
           <a:p>
             <a:fld id="{7CD9CFFE-9B8E-4E6F-9C50-BF6CD17BA4CD}" type="datetimeFigureOut">
               <a:rPr lang="ru-RU" smtClean="0"/>
-              <a:t>28.10.2016</a:t>
+              <a:t>16.10.2017</a:t>
             </a:fld>
             <a:endParaRPr lang="ru-RU"/>
           </a:p>
@@ -1976,7 +1980,7 @@
           <a:p>
             <a:fld id="{7CD9CFFE-9B8E-4E6F-9C50-BF6CD17BA4CD}" type="datetimeFigureOut">
               <a:rPr lang="ru-RU" smtClean="0"/>
-              <a:t>28.10.2016</a:t>
+              <a:t>16.10.2017</a:t>
             </a:fld>
             <a:endParaRPr lang="ru-RU"/>
           </a:p>
@@ -2093,7 +2097,7 @@
           <a:p>
             <a:fld id="{7CD9CFFE-9B8E-4E6F-9C50-BF6CD17BA4CD}" type="datetimeFigureOut">
               <a:rPr lang="ru-RU" smtClean="0"/>
-              <a:t>28.10.2016</a:t>
+              <a:t>16.10.2017</a:t>
             </a:fld>
             <a:endParaRPr lang="ru-RU"/>
           </a:p>
@@ -2188,7 +2192,7 @@
           <a:p>
             <a:fld id="{7CD9CFFE-9B8E-4E6F-9C50-BF6CD17BA4CD}" type="datetimeFigureOut">
               <a:rPr lang="ru-RU" smtClean="0"/>
-              <a:t>28.10.2016</a:t>
+              <a:t>16.10.2017</a:t>
             </a:fld>
             <a:endParaRPr lang="ru-RU"/>
           </a:p>
@@ -2463,7 +2467,7 @@
           <a:p>
             <a:fld id="{7CD9CFFE-9B8E-4E6F-9C50-BF6CD17BA4CD}" type="datetimeFigureOut">
               <a:rPr lang="ru-RU" smtClean="0"/>
-              <a:t>28.10.2016</a:t>
+              <a:t>16.10.2017</a:t>
             </a:fld>
             <a:endParaRPr lang="ru-RU"/>
           </a:p>
@@ -2715,7 +2719,7 @@
           <a:p>
             <a:fld id="{7CD9CFFE-9B8E-4E6F-9C50-BF6CD17BA4CD}" type="datetimeFigureOut">
               <a:rPr lang="ru-RU" smtClean="0"/>
-              <a:t>28.10.2016</a:t>
+              <a:t>16.10.2017</a:t>
             </a:fld>
             <a:endParaRPr lang="ru-RU"/>
           </a:p>
@@ -2926,7 +2930,7 @@
           <a:p>
             <a:fld id="{7CD9CFFE-9B8E-4E6F-9C50-BF6CD17BA4CD}" type="datetimeFigureOut">
               <a:rPr lang="ru-RU" smtClean="0"/>
-              <a:t>28.10.2016</a:t>
+              <a:t>16.10.2017</a:t>
             </a:fld>
             <a:endParaRPr lang="ru-RU"/>
           </a:p>
@@ -4928,7 +4932,7 @@
         </p:blipFill>
         <p:spPr>
           <a:xfrm>
-            <a:off x="930804" y="1536171"/>
+            <a:off x="930804" y="1273704"/>
             <a:ext cx="3286125" cy="2295525"/>
           </a:xfrm>
           <a:prstGeom prst="rect">
